--- a/docs/pics/src/cmdr icon.pptx
+++ b/docs/pics/src/cmdr icon.pptx
@@ -291,7 +291,7 @@
             <a:fld id="{1D8BD707-D9CF-40AE-B4C6-C98DA3205C09}" type="datetimeFigureOut">
               <a:rPr lang="en-US" smtClean="0"/>
               <a:pPr/>
-              <a:t>4/23/2020</a:t>
+              <a:t>4/25/2020</a:t>
             </a:fld>
             <a:endParaRPr lang="en-US"/>
           </a:p>
@@ -458,7 +458,7 @@
             <a:fld id="{1D8BD707-D9CF-40AE-B4C6-C98DA3205C09}" type="datetimeFigureOut">
               <a:rPr lang="en-US" smtClean="0"/>
               <a:pPr/>
-              <a:t>4/23/2020</a:t>
+              <a:t>4/25/2020</a:t>
             </a:fld>
             <a:endParaRPr lang="en-US"/>
           </a:p>
@@ -701,7 +701,7 @@
             <a:fld id="{1D8BD707-D9CF-40AE-B4C6-C98DA3205C09}" type="datetimeFigureOut">
               <a:rPr lang="en-US" smtClean="0"/>
               <a:pPr/>
-              <a:t>4/23/2020</a:t>
+              <a:t>4/25/2020</a:t>
             </a:fld>
             <a:endParaRPr lang="en-US"/>
           </a:p>
@@ -986,7 +986,7 @@
             <a:fld id="{1D8BD707-D9CF-40AE-B4C6-C98DA3205C09}" type="datetimeFigureOut">
               <a:rPr lang="en-US" smtClean="0"/>
               <a:pPr/>
-              <a:t>4/23/2020</a:t>
+              <a:t>4/25/2020</a:t>
             </a:fld>
             <a:endParaRPr lang="en-US"/>
           </a:p>
@@ -1405,7 +1405,7 @@
             <a:fld id="{1D8BD707-D9CF-40AE-B4C6-C98DA3205C09}" type="datetimeFigureOut">
               <a:rPr lang="en-US" smtClean="0"/>
               <a:pPr/>
-              <a:t>4/23/2020</a:t>
+              <a:t>4/25/2020</a:t>
             </a:fld>
             <a:endParaRPr lang="en-US"/>
           </a:p>
@@ -1520,7 +1520,7 @@
             <a:fld id="{1D8BD707-D9CF-40AE-B4C6-C98DA3205C09}" type="datetimeFigureOut">
               <a:rPr lang="en-US" smtClean="0"/>
               <a:pPr/>
-              <a:t>4/23/2020</a:t>
+              <a:t>4/25/2020</a:t>
             </a:fld>
             <a:endParaRPr lang="en-US"/>
           </a:p>
@@ -1612,7 +1612,7 @@
             <a:fld id="{1D8BD707-D9CF-40AE-B4C6-C98DA3205C09}" type="datetimeFigureOut">
               <a:rPr lang="en-US" smtClean="0"/>
               <a:pPr/>
-              <a:t>4/23/2020</a:t>
+              <a:t>4/25/2020</a:t>
             </a:fld>
             <a:endParaRPr lang="en-US"/>
           </a:p>
@@ -1837,7 +1837,7 @@
             <a:fld id="{1D8BD707-D9CF-40AE-B4C6-C98DA3205C09}" type="datetimeFigureOut">
               <a:rPr lang="en-US" smtClean="0"/>
               <a:pPr/>
-              <a:t>4/23/2020</a:t>
+              <a:t>4/25/2020</a:t>
             </a:fld>
             <a:endParaRPr lang="en-US"/>
           </a:p>
@@ -2212,7 +2212,7 @@
         </p:nvSpPr>
         <p:spPr>
           <a:xfrm>
-            <a:off x="1981200" y="1295400"/>
+            <a:off x="1524000" y="304800"/>
             <a:ext cx="3124200" cy="2514600"/>
           </a:xfrm>
           <a:prstGeom prst="rect">
@@ -2273,7 +2273,7 @@
         </p:blipFill>
         <p:spPr bwMode="auto">
           <a:xfrm>
-            <a:off x="2895600" y="1752600"/>
+            <a:off x="2438400" y="762000"/>
             <a:ext cx="1171575" cy="1466850"/>
           </a:xfrm>
           <a:prstGeom prst="rect">
@@ -2324,8 +2324,211 @@
         </p:blipFill>
         <p:spPr bwMode="auto">
           <a:xfrm>
-            <a:off x="2743200" y="1676400"/>
+            <a:off x="2286000" y="685800"/>
             <a:ext cx="838200" cy="808686"/>
+          </a:xfrm>
+          <a:prstGeom prst="rect">
+            <a:avLst/>
+          </a:prstGeom>
+          <a:noFill/>
+          <a:ln>
+            <a:noFill/>
+          </a:ln>
+          <a:extLst>
+            <a:ext uri="{909E8E84-426E-40DD-AFC4-6F175D3DCCD1}">
+              <a14:hiddenFill xmlns:a14="http://schemas.microsoft.com/office/drawing/2010/main">
+                <a:solidFill>
+                  <a:schemeClr val="accent1"/>
+                </a:solidFill>
+              </a14:hiddenFill>
+            </a:ext>
+            <a:ext uri="{91240B29-F687-4F45-9708-019B960494DF}">
+              <a14:hiddenLine xmlns:a14="http://schemas.microsoft.com/office/drawing/2010/main" w="9525">
+                <a:solidFill>
+                  <a:schemeClr val="tx1"/>
+                </a:solidFill>
+                <a:miter lim="800000"/>
+                <a:headEnd/>
+                <a:tailEnd/>
+              </a14:hiddenLine>
+            </a:ext>
+          </a:extLst>
+        </p:spPr>
+      </p:pic>
+      <p:sp>
+        <p:nvSpPr>
+          <p:cNvPr id="6" name="Rectangle 5"/>
+          <p:cNvSpPr/>
+          <p:nvPr/>
+        </p:nvSpPr>
+        <p:spPr>
+          <a:xfrm>
+            <a:off x="1562100" y="2938462"/>
+            <a:ext cx="3124200" cy="2514600"/>
+          </a:xfrm>
+          <a:prstGeom prst="rect">
+            <a:avLst/>
+          </a:prstGeom>
+          <a:solidFill>
+            <a:schemeClr val="bg1"/>
+          </a:solidFill>
+          <a:ln>
+            <a:noFill/>
+          </a:ln>
+        </p:spPr>
+        <p:style>
+          <a:lnRef idx="2">
+            <a:schemeClr val="accent1">
+              <a:shade val="50000"/>
+            </a:schemeClr>
+          </a:lnRef>
+          <a:fillRef idx="1">
+            <a:schemeClr val="accent1"/>
+          </a:fillRef>
+          <a:effectRef idx="0">
+            <a:schemeClr val="accent1"/>
+          </a:effectRef>
+          <a:fontRef idx="minor">
+            <a:schemeClr val="lt1"/>
+          </a:fontRef>
+        </p:style>
+        <p:txBody>
+          <a:bodyPr rtlCol="0" anchor="ctr"/>
+          <a:lstStyle/>
+          <a:p>
+            <a:pPr algn="ctr"/>
+            <a:endParaRPr lang="en-US"/>
+          </a:p>
+        </p:txBody>
+      </p:sp>
+      <p:grpSp>
+        <p:nvGrpSpPr>
+          <p:cNvPr id="3" name="Group 2"/>
+          <p:cNvGrpSpPr/>
+          <p:nvPr/>
+        </p:nvGrpSpPr>
+        <p:grpSpPr>
+          <a:xfrm>
+            <a:off x="2895600" y="3530204"/>
+            <a:ext cx="844550" cy="844550"/>
+            <a:chOff x="2895600" y="3530204"/>
+            <a:chExt cx="844550" cy="844550"/>
+          </a:xfrm>
+        </p:grpSpPr>
+        <p:pic>
+          <p:nvPicPr>
+            <p:cNvPr id="7" name="Picture 2" descr="C:\Users\Pedro\Desktop\U_Root\0_linux_home\git\cmdr\docs\pics\src\icon\tsi_icon.png"/>
+            <p:cNvPicPr>
+              <a:picLocks noChangeAspect="1" noChangeArrowheads="1"/>
+            </p:cNvPicPr>
+            <p:nvPr/>
+          </p:nvPicPr>
+          <p:blipFill rotWithShape="1">
+            <a:blip r:embed="rId2">
+              <a:extLst>
+                <a:ext uri="{28A0092B-C50C-407E-A947-70E740481C1C}">
+                  <a14:useLocalDpi xmlns:a14="http://schemas.microsoft.com/office/drawing/2010/main" val="0"/>
+                </a:ext>
+              </a:extLst>
+            </a:blip>
+            <a:srcRect l="14363" t="8874" r="13551" b="33551"/>
+            <a:stretch/>
+          </p:blipFill>
+          <p:spPr bwMode="auto">
+            <a:xfrm>
+              <a:off x="2895600" y="3530204"/>
+              <a:ext cx="844550" cy="844550"/>
+            </a:xfrm>
+            <a:prstGeom prst="rect">
+              <a:avLst/>
+            </a:prstGeom>
+            <a:noFill/>
+            <a:extLst>
+              <a:ext uri="{909E8E84-426E-40DD-AFC4-6F175D3DCCD1}">
+                <a14:hiddenFill xmlns:a14="http://schemas.microsoft.com/office/drawing/2010/main">
+                  <a:solidFill>
+                    <a:srgbClr val="FFFFFF"/>
+                  </a:solidFill>
+                </a14:hiddenFill>
+              </a:ext>
+            </a:extLst>
+          </p:spPr>
+        </p:pic>
+        <p:pic>
+          <p:nvPicPr>
+            <p:cNvPr id="9" name="Picture 2" descr="C:\Users\Pedro\Desktop\U_Root\0_linux_home\git\cmdr\docs\pics\src\icon\tsi_icon.png"/>
+            <p:cNvPicPr>
+              <a:picLocks noChangeAspect="1" noChangeArrowheads="1"/>
+            </p:cNvPicPr>
+            <p:nvPr/>
+          </p:nvPicPr>
+          <p:blipFill rotWithShape="1">
+            <a:blip r:embed="rId2">
+              <a:extLst>
+                <a:ext uri="{28A0092B-C50C-407E-A947-70E740481C1C}">
+                  <a14:useLocalDpi xmlns:a14="http://schemas.microsoft.com/office/drawing/2010/main" val="0"/>
+                </a:ext>
+              </a:extLst>
+            </a:blip>
+            <a:srcRect l="11721" t="6471" r="77507" b="84248"/>
+            <a:stretch/>
+          </p:blipFill>
+          <p:spPr bwMode="auto">
+            <a:xfrm>
+              <a:off x="3613944" y="3530204"/>
+              <a:ext cx="126206" cy="136129"/>
+            </a:xfrm>
+            <a:prstGeom prst="rect">
+              <a:avLst/>
+            </a:prstGeom>
+            <a:noFill/>
+            <a:extLst>
+              <a:ext uri="{909E8E84-426E-40DD-AFC4-6F175D3DCCD1}">
+                <a14:hiddenFill xmlns:a14="http://schemas.microsoft.com/office/drawing/2010/main">
+                  <a:solidFill>
+                    <a:srgbClr val="FFFFFF"/>
+                  </a:solidFill>
+                </a14:hiddenFill>
+              </a:ext>
+            </a:extLst>
+          </p:spPr>
+        </p:pic>
+      </p:grpSp>
+      <p:pic>
+        <p:nvPicPr>
+          <p:cNvPr id="8" name="Picture 3"/>
+          <p:cNvPicPr>
+            <a:picLocks noChangeAspect="1" noChangeArrowheads="1"/>
+          </p:cNvPicPr>
+          <p:nvPr/>
+        </p:nvPicPr>
+        <p:blipFill>
+          <a:blip r:embed="rId4" cstate="print">
+            <a:clrChange>
+              <a:clrFrom>
+                <a:srgbClr val="F8FAFB"/>
+              </a:clrFrom>
+              <a:clrTo>
+                <a:srgbClr val="F8FAFB">
+                  <a:alpha val="0"/>
+                </a:srgbClr>
+              </a:clrTo>
+            </a:clrChange>
+            <a:extLst>
+              <a:ext uri="{28A0092B-C50C-407E-A947-70E740481C1C}">
+                <a14:useLocalDpi xmlns:a14="http://schemas.microsoft.com/office/drawing/2010/main" val="0"/>
+              </a:ext>
+            </a:extLst>
+          </a:blip>
+          <a:srcRect/>
+          <a:stretch>
+            <a:fillRect/>
+          </a:stretch>
+        </p:blipFill>
+        <p:spPr bwMode="auto">
+          <a:xfrm>
+            <a:off x="2844403" y="3496999"/>
+            <a:ext cx="511969" cy="493942"/>
           </a:xfrm>
           <a:prstGeom prst="rect">
             <a:avLst/>

--- a/docs/pics/src/cmdr icon.pptx
+++ b/docs/pics/src/cmdr icon.pptx
@@ -291,7 +291,7 @@
             <a:fld id="{1D8BD707-D9CF-40AE-B4C6-C98DA3205C09}" type="datetimeFigureOut">
               <a:rPr lang="en-US" smtClean="0"/>
               <a:pPr/>
-              <a:t>4/25/2020</a:t>
+              <a:t>5/3/2020</a:t>
             </a:fld>
             <a:endParaRPr lang="en-US"/>
           </a:p>
@@ -458,7 +458,7 @@
             <a:fld id="{1D8BD707-D9CF-40AE-B4C6-C98DA3205C09}" type="datetimeFigureOut">
               <a:rPr lang="en-US" smtClean="0"/>
               <a:pPr/>
-              <a:t>4/25/2020</a:t>
+              <a:t>5/3/2020</a:t>
             </a:fld>
             <a:endParaRPr lang="en-US"/>
           </a:p>
@@ -701,7 +701,7 @@
             <a:fld id="{1D8BD707-D9CF-40AE-B4C6-C98DA3205C09}" type="datetimeFigureOut">
               <a:rPr lang="en-US" smtClean="0"/>
               <a:pPr/>
-              <a:t>4/25/2020</a:t>
+              <a:t>5/3/2020</a:t>
             </a:fld>
             <a:endParaRPr lang="en-US"/>
           </a:p>
@@ -986,7 +986,7 @@
             <a:fld id="{1D8BD707-D9CF-40AE-B4C6-C98DA3205C09}" type="datetimeFigureOut">
               <a:rPr lang="en-US" smtClean="0"/>
               <a:pPr/>
-              <a:t>4/25/2020</a:t>
+              <a:t>5/3/2020</a:t>
             </a:fld>
             <a:endParaRPr lang="en-US"/>
           </a:p>
@@ -1405,7 +1405,7 @@
             <a:fld id="{1D8BD707-D9CF-40AE-B4C6-C98DA3205C09}" type="datetimeFigureOut">
               <a:rPr lang="en-US" smtClean="0"/>
               <a:pPr/>
-              <a:t>4/25/2020</a:t>
+              <a:t>5/3/2020</a:t>
             </a:fld>
             <a:endParaRPr lang="en-US"/>
           </a:p>
@@ -1520,7 +1520,7 @@
             <a:fld id="{1D8BD707-D9CF-40AE-B4C6-C98DA3205C09}" type="datetimeFigureOut">
               <a:rPr lang="en-US" smtClean="0"/>
               <a:pPr/>
-              <a:t>4/25/2020</a:t>
+              <a:t>5/3/2020</a:t>
             </a:fld>
             <a:endParaRPr lang="en-US"/>
           </a:p>
@@ -1612,7 +1612,7 @@
             <a:fld id="{1D8BD707-D9CF-40AE-B4C6-C98DA3205C09}" type="datetimeFigureOut">
               <a:rPr lang="en-US" smtClean="0"/>
               <a:pPr/>
-              <a:t>4/25/2020</a:t>
+              <a:t>5/3/2020</a:t>
             </a:fld>
             <a:endParaRPr lang="en-US"/>
           </a:p>
@@ -1837,7 +1837,7 @@
             <a:fld id="{1D8BD707-D9CF-40AE-B4C6-C98DA3205C09}" type="datetimeFigureOut">
               <a:rPr lang="en-US" smtClean="0"/>
               <a:pPr/>
-              <a:t>4/25/2020</a:t>
+              <a:t>5/3/2020</a:t>
             </a:fld>
             <a:endParaRPr lang="en-US"/>
           </a:p>
@@ -2206,6 +2206,52 @@
       </p:grpSpPr>
       <p:sp>
         <p:nvSpPr>
+          <p:cNvPr id="11" name="Rectangle 10"/>
+          <p:cNvSpPr/>
+          <p:nvPr/>
+        </p:nvSpPr>
+        <p:spPr>
+          <a:xfrm>
+            <a:off x="5257800" y="2771379"/>
+            <a:ext cx="3124200" cy="2514600"/>
+          </a:xfrm>
+          <a:prstGeom prst="rect">
+            <a:avLst/>
+          </a:prstGeom>
+          <a:solidFill>
+            <a:schemeClr val="bg1"/>
+          </a:solidFill>
+          <a:ln>
+            <a:noFill/>
+          </a:ln>
+        </p:spPr>
+        <p:style>
+          <a:lnRef idx="2">
+            <a:schemeClr val="accent1">
+              <a:shade val="50000"/>
+            </a:schemeClr>
+          </a:lnRef>
+          <a:fillRef idx="1">
+            <a:schemeClr val="accent1"/>
+          </a:fillRef>
+          <a:effectRef idx="0">
+            <a:schemeClr val="accent1"/>
+          </a:effectRef>
+          <a:fontRef idx="minor">
+            <a:schemeClr val="lt1"/>
+          </a:fontRef>
+        </p:style>
+        <p:txBody>
+          <a:bodyPr rtlCol="0" anchor="ctr"/>
+          <a:lstStyle/>
+          <a:p>
+            <a:pPr algn="ctr"/>
+            <a:endParaRPr lang="en-US"/>
+          </a:p>
+        </p:txBody>
+      </p:sp>
+      <p:sp>
+        <p:nvSpPr>
           <p:cNvPr id="4" name="Rectangle 3"/>
           <p:cNvSpPr/>
           <p:nvPr/>
@@ -2558,6 +2604,105 @@
           </a:extLst>
         </p:spPr>
       </p:pic>
+      <p:sp>
+        <p:nvSpPr>
+          <p:cNvPr id="2" name="Rectangle 1"/>
+          <p:cNvSpPr/>
+          <p:nvPr/>
+        </p:nvSpPr>
+        <p:spPr>
+          <a:xfrm>
+            <a:off x="5943600" y="3275163"/>
+            <a:ext cx="876300" cy="236761"/>
+          </a:xfrm>
+          <a:prstGeom prst="rect">
+            <a:avLst/>
+          </a:prstGeom>
+          <a:solidFill>
+            <a:schemeClr val="bg2">
+              <a:lumMod val="25000"/>
+            </a:schemeClr>
+          </a:solidFill>
+          <a:ln>
+            <a:noFill/>
+          </a:ln>
+        </p:spPr>
+        <p:style>
+          <a:lnRef idx="2">
+            <a:schemeClr val="accent1">
+              <a:shade val="50000"/>
+            </a:schemeClr>
+          </a:lnRef>
+          <a:fillRef idx="1">
+            <a:schemeClr val="accent1"/>
+          </a:fillRef>
+          <a:effectRef idx="0">
+            <a:schemeClr val="accent1"/>
+          </a:effectRef>
+          <a:fontRef idx="minor">
+            <a:schemeClr val="lt1"/>
+          </a:fontRef>
+        </p:style>
+        <p:txBody>
+          <a:bodyPr rtlCol="0" anchor="ctr"/>
+          <a:lstStyle/>
+          <a:p>
+            <a:pPr algn="ctr"/>
+            <a:r>
+              <a:rPr lang="en-US" sz="1000" dirty="0" smtClean="0"/>
+              <a:t>DOWNLOAD</a:t>
+            </a:r>
+            <a:endParaRPr lang="en-US" sz="1000" dirty="0"/>
+          </a:p>
+        </p:txBody>
+      </p:sp>
+      <p:sp>
+        <p:nvSpPr>
+          <p:cNvPr id="12" name="Rectangle 11"/>
+          <p:cNvSpPr/>
+          <p:nvPr/>
+        </p:nvSpPr>
+        <p:spPr>
+          <a:xfrm>
+            <a:off x="6819900" y="3275163"/>
+            <a:ext cx="876300" cy="236761"/>
+          </a:xfrm>
+          <a:prstGeom prst="rect">
+            <a:avLst/>
+          </a:prstGeom>
+          <a:ln>
+            <a:noFill/>
+          </a:ln>
+        </p:spPr>
+        <p:style>
+          <a:lnRef idx="2">
+            <a:schemeClr val="accent1">
+              <a:shade val="50000"/>
+            </a:schemeClr>
+          </a:lnRef>
+          <a:fillRef idx="1">
+            <a:schemeClr val="accent1"/>
+          </a:fillRef>
+          <a:effectRef idx="0">
+            <a:schemeClr val="accent1"/>
+          </a:effectRef>
+          <a:fontRef idx="minor">
+            <a:schemeClr val="lt1"/>
+          </a:fontRef>
+        </p:style>
+        <p:txBody>
+          <a:bodyPr rtlCol="0" anchor="ctr"/>
+          <a:lstStyle/>
+          <a:p>
+            <a:pPr algn="ctr"/>
+            <a:r>
+              <a:rPr lang="en-US" sz="1000" b="1" dirty="0" smtClean="0"/>
+              <a:t>CMDR.ZIP</a:t>
+            </a:r>
+            <a:endParaRPr lang="en-US" sz="1000" b="1" dirty="0"/>
+          </a:p>
+        </p:txBody>
+      </p:sp>
     </p:spTree>
     <p:extLst>
       <p:ext uri="{BB962C8B-B14F-4D97-AF65-F5344CB8AC3E}">
